--- a/January-Class/Zelig_3_simulation.pptx
+++ b/January-Class/Zelig_3_simulation.pptx
@@ -6,6 +6,7 @@
   </p:sldMasterIdLst>
   <p:sldIdLst>
     <p:sldId id="256" r:id="rId2"/>
+    <p:sldId id="257" r:id="rId3"/>
   </p:sldIdLst>
   <p:sldSz cx="9144000" cy="6858000" type="screen4x3"/>
   <p:notesSz cx="6858000" cy="9144000"/>
@@ -285,9 +286,9 @@
           <a:lstStyle/>
           <a:p>
             <a:fld id="{52146219-D444-4949-8B82-1A0079A42925}" type="datetimeFigureOut">
-              <a:rPr/>
+              <a:rPr lang="en-US"/>
               <a:pPr/>
-              <a:t>12/5/11</a:t>
+              <a:t>12/19/11</a:t>
             </a:fld>
             <a:endParaRPr lang="en-US"/>
           </a:p>
@@ -450,9 +451,9 @@
           <a:lstStyle/>
           <a:p>
             <a:fld id="{52146219-D444-4949-8B82-1A0079A42925}" type="datetimeFigureOut">
-              <a:rPr/>
+              <a:rPr lang="en-US"/>
               <a:pPr/>
-              <a:t>12/5/11</a:t>
+              <a:t>12/19/11</a:t>
             </a:fld>
             <a:endParaRPr lang="en-US"/>
           </a:p>
@@ -625,9 +626,9 @@
           <a:lstStyle/>
           <a:p>
             <a:fld id="{52146219-D444-4949-8B82-1A0079A42925}" type="datetimeFigureOut">
-              <a:rPr/>
+              <a:rPr lang="en-US"/>
               <a:pPr/>
-              <a:t>12/5/11</a:t>
+              <a:t>12/19/11</a:t>
             </a:fld>
             <a:endParaRPr lang="en-US"/>
           </a:p>
@@ -790,9 +791,9 @@
           <a:lstStyle/>
           <a:p>
             <a:fld id="{52146219-D444-4949-8B82-1A0079A42925}" type="datetimeFigureOut">
-              <a:rPr/>
+              <a:rPr lang="en-US"/>
               <a:pPr/>
-              <a:t>12/5/11</a:t>
+              <a:t>12/19/11</a:t>
             </a:fld>
             <a:endParaRPr lang="en-US"/>
           </a:p>
@@ -1032,9 +1033,9 @@
           <a:lstStyle/>
           <a:p>
             <a:fld id="{52146219-D444-4949-8B82-1A0079A42925}" type="datetimeFigureOut">
-              <a:rPr/>
+              <a:rPr lang="en-US"/>
               <a:pPr/>
-              <a:t>12/5/11</a:t>
+              <a:t>12/19/11</a:t>
             </a:fld>
             <a:endParaRPr lang="en-US"/>
           </a:p>
@@ -1314,9 +1315,9 @@
           <a:lstStyle/>
           <a:p>
             <a:fld id="{52146219-D444-4949-8B82-1A0079A42925}" type="datetimeFigureOut">
-              <a:rPr/>
+              <a:rPr lang="en-US"/>
               <a:pPr/>
-              <a:t>12/5/11</a:t>
+              <a:t>12/19/11</a:t>
             </a:fld>
             <a:endParaRPr lang="en-US"/>
           </a:p>
@@ -1730,9 +1731,9 @@
           <a:lstStyle/>
           <a:p>
             <a:fld id="{52146219-D444-4949-8B82-1A0079A42925}" type="datetimeFigureOut">
-              <a:rPr/>
+              <a:rPr lang="en-US"/>
               <a:pPr/>
-              <a:t>12/5/11</a:t>
+              <a:t>12/19/11</a:t>
             </a:fld>
             <a:endParaRPr lang="en-US"/>
           </a:p>
@@ -1844,9 +1845,9 @@
           <a:lstStyle/>
           <a:p>
             <a:fld id="{52146219-D444-4949-8B82-1A0079A42925}" type="datetimeFigureOut">
-              <a:rPr/>
+              <a:rPr lang="en-US"/>
               <a:pPr/>
-              <a:t>12/5/11</a:t>
+              <a:t>12/19/11</a:t>
             </a:fld>
             <a:endParaRPr lang="en-US"/>
           </a:p>
@@ -1936,9 +1937,9 @@
           <a:lstStyle/>
           <a:p>
             <a:fld id="{52146219-D444-4949-8B82-1A0079A42925}" type="datetimeFigureOut">
-              <a:rPr/>
+              <a:rPr lang="en-US"/>
               <a:pPr/>
-              <a:t>12/5/11</a:t>
+              <a:t>12/19/11</a:t>
             </a:fld>
             <a:endParaRPr lang="en-US"/>
           </a:p>
@@ -2208,9 +2209,9 @@
           <a:lstStyle/>
           <a:p>
             <a:fld id="{52146219-D444-4949-8B82-1A0079A42925}" type="datetimeFigureOut">
-              <a:rPr/>
+              <a:rPr lang="en-US"/>
               <a:pPr/>
-              <a:t>12/5/11</a:t>
+              <a:t>12/19/11</a:t>
             </a:fld>
             <a:endParaRPr lang="en-US"/>
           </a:p>
@@ -2457,9 +2458,9 @@
           <a:lstStyle/>
           <a:p>
             <a:fld id="{52146219-D444-4949-8B82-1A0079A42925}" type="datetimeFigureOut">
-              <a:rPr/>
+              <a:rPr lang="en-US"/>
               <a:pPr/>
-              <a:t>12/5/11</a:t>
+              <a:t>12/19/11</a:t>
             </a:fld>
             <a:endParaRPr lang="en-US"/>
           </a:p>
@@ -2665,9 +2666,9 @@
           </a:lstStyle>
           <a:p>
             <a:fld id="{52146219-D444-4949-8B82-1A0079A42925}" type="datetimeFigureOut">
-              <a:rPr/>
+              <a:rPr lang="en-US"/>
               <a:pPr/>
-              <a:t>12/5/11</a:t>
+              <a:t>12/19/11</a:t>
             </a:fld>
             <a:endParaRPr lang="en-US"/>
           </a:p>
@@ -3079,6 +3080,119 @@
               <a:rPr lang="en-US"/>
               <a:t>Simulating Quantities of Interest</a:t>
             </a:r>
+          </a:p>
+        </p:txBody>
+      </p:sp>
+    </p:spTree>
+  </p:cSld>
+  <p:clrMapOvr>
+    <a:masterClrMapping/>
+  </p:clrMapOvr>
+</p:sld>
+</file>
+
+<file path=ppt/slides/slide2.xml><?xml version="1.0" encoding="utf-8"?>
+<p:sld xmlns:a="http://schemas.openxmlformats.org/drawingml/2006/main" xmlns:r="http://schemas.openxmlformats.org/officeDocument/2006/relationships" xmlns:mc="http://schemas.openxmlformats.org/markup-compatibility/2006" xmlns:mv="urn:schemas-microsoft-com:mac:vml" xmlns:p="http://schemas.openxmlformats.org/presentationml/2006/main" mc:Ignorable="mv" mc:PreserveAttributes="mv:*">
+  <p:cSld>
+    <p:spTree>
+      <p:nvGrpSpPr>
+        <p:cNvPr id="1" name=""/>
+        <p:cNvGrpSpPr/>
+        <p:nvPr/>
+      </p:nvGrpSpPr>
+      <p:grpSpPr>
+        <a:xfrm>
+          <a:off x="0" y="0"/>
+          <a:ext cx="0" cy="0"/>
+          <a:chOff x="0" y="0"/>
+          <a:chExt cx="0" cy="0"/>
+        </a:xfrm>
+      </p:grpSpPr>
+      <p:sp>
+        <p:nvSpPr>
+          <p:cNvPr id="2" name="Title 1"/>
+          <p:cNvSpPr>
+            <a:spLocks noGrp="1"/>
+          </p:cNvSpPr>
+          <p:nvPr>
+            <p:ph type="title"/>
+          </p:nvPr>
+        </p:nvSpPr>
+        <p:spPr/>
+        <p:txBody>
+          <a:bodyPr/>
+          <a:lstStyle/>
+          <a:p>
+            <a:r>
+              <a:rPr lang="en-US"/>
+              <a:t>Outline</a:t>
+            </a:r>
+          </a:p>
+        </p:txBody>
+      </p:sp>
+      <p:sp>
+        <p:nvSpPr>
+          <p:cNvPr id="3" name="Content Placeholder 2"/>
+          <p:cNvSpPr>
+            <a:spLocks noGrp="1"/>
+          </p:cNvSpPr>
+          <p:nvPr>
+            <p:ph idx="1"/>
+          </p:nvPr>
+        </p:nvSpPr>
+        <p:spPr/>
+        <p:txBody>
+          <a:bodyPr/>
+          <a:lstStyle/>
+          <a:p>
+            <a:r>
+              <a:rPr lang="en-US"/>
+              <a:t>What is statistical simulation?</a:t>
+            </a:r>
+          </a:p>
+          <a:p>
+            <a:r>
+              <a:rPr lang="en-US"/>
+              <a:t>Structure of a "sim" method</a:t>
+            </a:r>
+          </a:p>
+          <a:p>
+            <a:r>
+              <a:rPr lang="en-US"/>
+              <a:t>Writing the "sim" method</a:t>
+            </a:r>
+          </a:p>
+          <a:p>
+            <a:r>
+              <a:rPr lang="en-US"/>
+              <a:t>Programming statistical simulation</a:t>
+            </a:r>
+          </a:p>
+          <a:p>
+            <a:r>
+              <a:rPr lang="en-US"/>
+              <a:t>Looking ahead</a:t>
+            </a:r>
+          </a:p>
+          <a:p>
+            <a:pPr lvl="1"/>
+            <a:r>
+              <a:rPr lang="en-US"/>
+              <a:t>Finishing a statistical package</a:t>
+            </a:r>
+          </a:p>
+          <a:p>
+            <a:pPr lvl="1"/>
+            <a:r>
+              <a:rPr lang="en-US"/>
+              <a:t>CRAN (Comprehensive R Archive Network)</a:t>
+            </a:r>
+          </a:p>
+          <a:p>
+            <a:pPr>
+              <a:buNone/>
+            </a:pPr>
+            <a:endParaRPr lang="en-US"/>
           </a:p>
         </p:txBody>
       </p:sp>

--- a/January-Class/Zelig_3_simulation.pptx
+++ b/January-Class/Zelig_3_simulation.pptx
@@ -7,6 +7,15 @@
   <p:sldIdLst>
     <p:sldId id="256" r:id="rId2"/>
     <p:sldId id="257" r:id="rId3"/>
+    <p:sldId id="258" r:id="rId4"/>
+    <p:sldId id="259" r:id="rId5"/>
+    <p:sldId id="261" r:id="rId6"/>
+    <p:sldId id="260" r:id="rId7"/>
+    <p:sldId id="262" r:id="rId8"/>
+    <p:sldId id="263" r:id="rId9"/>
+    <p:sldId id="264" r:id="rId10"/>
+    <p:sldId id="266" r:id="rId11"/>
+    <p:sldId id="265" r:id="rId12"/>
   </p:sldIdLst>
   <p:sldSz cx="9144000" cy="6858000" type="screen4x3"/>
   <p:notesSz cx="6858000" cy="9144000"/>
@@ -288,7 +297,7 @@
             <a:fld id="{52146219-D444-4949-8B82-1A0079A42925}" type="datetimeFigureOut">
               <a:rPr lang="en-US"/>
               <a:pPr/>
-              <a:t>12/19/11</a:t>
+              <a:t>1/4/12</a:t>
             </a:fld>
             <a:endParaRPr lang="en-US"/>
           </a:p>
@@ -453,7 +462,7 @@
             <a:fld id="{52146219-D444-4949-8B82-1A0079A42925}" type="datetimeFigureOut">
               <a:rPr lang="en-US"/>
               <a:pPr/>
-              <a:t>12/19/11</a:t>
+              <a:t>1/4/12</a:t>
             </a:fld>
             <a:endParaRPr lang="en-US"/>
           </a:p>
@@ -628,7 +637,7 @@
             <a:fld id="{52146219-D444-4949-8B82-1A0079A42925}" type="datetimeFigureOut">
               <a:rPr lang="en-US"/>
               <a:pPr/>
-              <a:t>12/19/11</a:t>
+              <a:t>1/4/12</a:t>
             </a:fld>
             <a:endParaRPr lang="en-US"/>
           </a:p>
@@ -793,7 +802,7 @@
             <a:fld id="{52146219-D444-4949-8B82-1A0079A42925}" type="datetimeFigureOut">
               <a:rPr lang="en-US"/>
               <a:pPr/>
-              <a:t>12/19/11</a:t>
+              <a:t>1/4/12</a:t>
             </a:fld>
             <a:endParaRPr lang="en-US"/>
           </a:p>
@@ -1035,7 +1044,7 @@
             <a:fld id="{52146219-D444-4949-8B82-1A0079A42925}" type="datetimeFigureOut">
               <a:rPr lang="en-US"/>
               <a:pPr/>
-              <a:t>12/19/11</a:t>
+              <a:t>1/4/12</a:t>
             </a:fld>
             <a:endParaRPr lang="en-US"/>
           </a:p>
@@ -1317,7 +1326,7 @@
             <a:fld id="{52146219-D444-4949-8B82-1A0079A42925}" type="datetimeFigureOut">
               <a:rPr lang="en-US"/>
               <a:pPr/>
-              <a:t>12/19/11</a:t>
+              <a:t>1/4/12</a:t>
             </a:fld>
             <a:endParaRPr lang="en-US"/>
           </a:p>
@@ -1733,7 +1742,7 @@
             <a:fld id="{52146219-D444-4949-8B82-1A0079A42925}" type="datetimeFigureOut">
               <a:rPr lang="en-US"/>
               <a:pPr/>
-              <a:t>12/19/11</a:t>
+              <a:t>1/4/12</a:t>
             </a:fld>
             <a:endParaRPr lang="en-US"/>
           </a:p>
@@ -1847,7 +1856,7 @@
             <a:fld id="{52146219-D444-4949-8B82-1A0079A42925}" type="datetimeFigureOut">
               <a:rPr lang="en-US"/>
               <a:pPr/>
-              <a:t>12/19/11</a:t>
+              <a:t>1/4/12</a:t>
             </a:fld>
             <a:endParaRPr lang="en-US"/>
           </a:p>
@@ -1939,7 +1948,7 @@
             <a:fld id="{52146219-D444-4949-8B82-1A0079A42925}" type="datetimeFigureOut">
               <a:rPr lang="en-US"/>
               <a:pPr/>
-              <a:t>12/19/11</a:t>
+              <a:t>1/4/12</a:t>
             </a:fld>
             <a:endParaRPr lang="en-US"/>
           </a:p>
@@ -2211,7 +2220,7 @@
             <a:fld id="{52146219-D444-4949-8B82-1A0079A42925}" type="datetimeFigureOut">
               <a:rPr lang="en-US"/>
               <a:pPr/>
-              <a:t>12/19/11</a:t>
+              <a:t>1/4/12</a:t>
             </a:fld>
             <a:endParaRPr lang="en-US"/>
           </a:p>
@@ -2460,7 +2469,7 @@
             <a:fld id="{52146219-D444-4949-8B82-1A0079A42925}" type="datetimeFigureOut">
               <a:rPr lang="en-US"/>
               <a:pPr/>
-              <a:t>12/19/11</a:t>
+              <a:t>1/4/12</a:t>
             </a:fld>
             <a:endParaRPr lang="en-US"/>
           </a:p>
@@ -2668,7 +2677,7 @@
             <a:fld id="{52146219-D444-4949-8B82-1A0079A42925}" type="datetimeFigureOut">
               <a:rPr lang="en-US"/>
               <a:pPr/>
-              <a:t>12/19/11</a:t>
+              <a:t>1/4/12</a:t>
             </a:fld>
             <a:endParaRPr lang="en-US"/>
           </a:p>
@@ -3091,6 +3100,850 @@
 </p:sld>
 </file>
 
+<file path=ppt/slides/slide10.xml><?xml version="1.0" encoding="utf-8"?>
+<p:sld xmlns:a="http://schemas.openxmlformats.org/drawingml/2006/main" xmlns:r="http://schemas.openxmlformats.org/officeDocument/2006/relationships" xmlns:mc="http://schemas.openxmlformats.org/markup-compatibility/2006" xmlns:mv="urn:schemas-microsoft-com:mac:vml" xmlns:p="http://schemas.openxmlformats.org/presentationml/2006/main" mc:Ignorable="mv" mc:PreserveAttributes="mv:*">
+  <p:cSld>
+    <p:spTree>
+      <p:nvGrpSpPr>
+        <p:cNvPr id="1" name=""/>
+        <p:cNvGrpSpPr/>
+        <p:nvPr/>
+      </p:nvGrpSpPr>
+      <p:grpSpPr>
+        <a:xfrm>
+          <a:off x="0" y="0"/>
+          <a:ext cx="0" cy="0"/>
+          <a:chOff x="0" y="0"/>
+          <a:chExt cx="0" cy="0"/>
+        </a:xfrm>
+      </p:grpSpPr>
+      <p:sp>
+        <p:nvSpPr>
+          <p:cNvPr id="2" name="Title 1"/>
+          <p:cNvSpPr>
+            <a:spLocks noGrp="1"/>
+          </p:cNvSpPr>
+          <p:nvPr>
+            <p:ph type="title"/>
+          </p:nvPr>
+        </p:nvSpPr>
+        <p:spPr/>
+        <p:txBody>
+          <a:bodyPr/>
+          <a:lstStyle/>
+          <a:p>
+            <a:r>
+              <a:rPr lang="en-US"/>
+              <a:t>Function Return Value</a:t>
+            </a:r>
+          </a:p>
+        </p:txBody>
+      </p:sp>
+      <p:sp>
+        <p:nvSpPr>
+          <p:cNvPr id="3" name="Content Placeholder 2"/>
+          <p:cNvSpPr>
+            <a:spLocks noGrp="1"/>
+          </p:cNvSpPr>
+          <p:nvPr>
+            <p:ph idx="1"/>
+          </p:nvPr>
+        </p:nvSpPr>
+        <p:spPr/>
+        <p:txBody>
+          <a:bodyPr/>
+          <a:lstStyle/>
+          <a:p>
+            <a:r>
+              <a:rPr lang="en-US"/>
+              <a:t>Vectors represent single outcomes</a:t>
+            </a:r>
+          </a:p>
+          <a:p>
+            <a:r>
+              <a:rPr lang="en-US"/>
+              <a:t>Matrices represent multinomial outcomes</a:t>
+            </a:r>
+          </a:p>
+          <a:p>
+            <a:r>
+              <a:rPr lang="en-US"/>
+              <a:t>Custom</a:t>
+            </a:r>
+          </a:p>
+        </p:txBody>
+      </p:sp>
+    </p:spTree>
+  </p:cSld>
+  <p:clrMapOvr>
+    <a:masterClrMapping/>
+  </p:clrMapOvr>
+</p:sld>
+</file>
+
+<file path=ppt/slides/slide11.xml><?xml version="1.0" encoding="utf-8"?>
+<p:sld xmlns:a="http://schemas.openxmlformats.org/drawingml/2006/main" xmlns:r="http://schemas.openxmlformats.org/officeDocument/2006/relationships" xmlns:mc="http://schemas.openxmlformats.org/markup-compatibility/2006" xmlns:mv="urn:schemas-microsoft-com:mac:vml" xmlns:p="http://schemas.openxmlformats.org/presentationml/2006/main" mc:Ignorable="mv" mc:PreserveAttributes="mv:*">
+  <p:cSld>
+    <p:spTree>
+      <p:nvGrpSpPr>
+        <p:cNvPr id="1" name=""/>
+        <p:cNvGrpSpPr/>
+        <p:nvPr/>
+      </p:nvGrpSpPr>
+      <p:grpSpPr>
+        <a:xfrm>
+          <a:off x="0" y="0"/>
+          <a:ext cx="0" cy="0"/>
+          <a:chOff x="0" y="0"/>
+          <a:chExt cx="0" cy="0"/>
+        </a:xfrm>
+      </p:grpSpPr>
+      <p:sp>
+        <p:nvSpPr>
+          <p:cNvPr id="2" name="Title 1"/>
+          <p:cNvSpPr>
+            <a:spLocks noGrp="1"/>
+          </p:cNvSpPr>
+          <p:nvPr>
+            <p:ph type="title"/>
+          </p:nvPr>
+        </p:nvSpPr>
+        <p:spPr/>
+        <p:txBody>
+          <a:bodyPr/>
+          <a:lstStyle/>
+          <a:p>
+            <a:r>
+              <a:rPr lang="en-US"/>
+              <a:t>Function Return Value (Example)</a:t>
+            </a:r>
+          </a:p>
+        </p:txBody>
+      </p:sp>
+      <p:sp>
+        <p:nvSpPr>
+          <p:cNvPr id="4" name="Text Box 4"/>
+          <p:cNvSpPr txBox="1">
+            <a:spLocks noChangeArrowheads="1"/>
+          </p:cNvSpPr>
+          <p:nvPr/>
+        </p:nvSpPr>
+        <p:spPr bwMode="auto">
+          <a:xfrm>
+            <a:off x="457200" y="1571037"/>
+            <a:ext cx="8229600" cy="2895281"/>
+          </a:xfrm>
+          <a:prstGeom prst="rect">
+            <a:avLst/>
+          </a:prstGeom>
+          <a:noFill/>
+          <a:ln w="9360">
+            <a:solidFill>
+              <a:srgbClr val="000000"/>
+            </a:solidFill>
+            <a:prstDash val="dashDot"/>
+            <a:miter lim="800000"/>
+            <a:headEnd/>
+            <a:tailEnd/>
+          </a:ln>
+        </p:spPr>
+        <p:txBody>
+          <a:bodyPr wrap="square" lIns="90000" tIns="46800" rIns="90000" bIns="46800">
+            <a:prstTxWarp prst="textNoShape">
+              <a:avLst/>
+            </a:prstTxWarp>
+            <a:spAutoFit/>
+          </a:bodyPr>
+          <a:lstStyle/>
+          <a:p>
+            <a:pPr>
+              <a:buClrTx/>
+              <a:buFontTx/>
+              <a:buNone/>
+              <a:tabLst>
+                <a:tab pos="0" algn="l"/>
+                <a:tab pos="457200" algn="l"/>
+                <a:tab pos="914400" algn="l"/>
+                <a:tab pos="1371600" algn="l"/>
+                <a:tab pos="1828800" algn="l"/>
+                <a:tab pos="2286000" algn="l"/>
+                <a:tab pos="2743200" algn="l"/>
+                <a:tab pos="3200400" algn="l"/>
+                <a:tab pos="3657600" algn="l"/>
+                <a:tab pos="4114800" algn="l"/>
+                <a:tab pos="4572000" algn="l"/>
+                <a:tab pos="5029200" algn="l"/>
+                <a:tab pos="5486400" algn="l"/>
+                <a:tab pos="5943600" algn="l"/>
+                <a:tab pos="6400800" algn="l"/>
+                <a:tab pos="6858000" algn="l"/>
+                <a:tab pos="7315200" algn="l"/>
+                <a:tab pos="7772400" algn="l"/>
+                <a:tab pos="8229600" algn="l"/>
+                <a:tab pos="8686800" algn="l"/>
+                <a:tab pos="9144000" algn="l"/>
+              </a:tabLst>
+            </a:pPr>
+            <a:r>
+              <a:rPr lang="en-US" sz="1400" dirty="0">
+                <a:solidFill>
+                  <a:srgbClr val="7F7F7F"/>
+                </a:solidFill>
+                <a:latin typeface="Courier New" charset="0"/>
+                <a:ea typeface="Courier New" charset="0"/>
+                <a:cs typeface="Courier New" charset="0"/>
+              </a:rPr>
+              <a:t># The Function Signature for the logit function</a:t>
+            </a:r>
+          </a:p>
+          <a:p>
+            <a:pPr>
+              <a:tabLst>
+                <a:tab pos="0" algn="l"/>
+                <a:tab pos="457200" algn="l"/>
+                <a:tab pos="914400" algn="l"/>
+                <a:tab pos="1371600" algn="l"/>
+                <a:tab pos="1828800" algn="l"/>
+                <a:tab pos="2286000" algn="l"/>
+                <a:tab pos="2743200" algn="l"/>
+                <a:tab pos="3200400" algn="l"/>
+                <a:tab pos="3657600" algn="l"/>
+                <a:tab pos="4114800" algn="l"/>
+                <a:tab pos="4572000" algn="l"/>
+                <a:tab pos="5029200" algn="l"/>
+                <a:tab pos="5486400" algn="l"/>
+                <a:tab pos="5943600" algn="l"/>
+                <a:tab pos="6400800" algn="l"/>
+                <a:tab pos="6858000" algn="l"/>
+                <a:tab pos="7315200" algn="l"/>
+                <a:tab pos="7772400" algn="l"/>
+                <a:tab pos="8229600" algn="l"/>
+                <a:tab pos="8686800" algn="l"/>
+                <a:tab pos="9144000" algn="l"/>
+              </a:tabLst>
+            </a:pPr>
+            <a:r>
+              <a:rPr lang="en-US" sz="1400" dirty="0">
+                <a:solidFill>
+                  <a:srgbClr val="000000"/>
+                </a:solidFill>
+                <a:latin typeface="Courier New" charset="0"/>
+                <a:ea typeface="Courier New" charset="0"/>
+                <a:cs typeface="Courier New" charset="0"/>
+              </a:rPr>
+              <a:t>qi.ls &lt;- function(obj, x=NULL, x1=NULL, y=NULL, num=1000, param=NULL) {</a:t>
+            </a:r>
+          </a:p>
+          <a:p>
+            <a:pPr>
+              <a:tabLst>
+                <a:tab pos="0" algn="l"/>
+                <a:tab pos="457200" algn="l"/>
+                <a:tab pos="914400" algn="l"/>
+                <a:tab pos="1371600" algn="l"/>
+                <a:tab pos="1828800" algn="l"/>
+                <a:tab pos="2286000" algn="l"/>
+                <a:tab pos="2743200" algn="l"/>
+                <a:tab pos="3200400" algn="l"/>
+                <a:tab pos="3657600" algn="l"/>
+                <a:tab pos="4114800" algn="l"/>
+                <a:tab pos="4572000" algn="l"/>
+                <a:tab pos="5029200" algn="l"/>
+                <a:tab pos="5486400" algn="l"/>
+                <a:tab pos="5943600" algn="l"/>
+                <a:tab pos="6400800" algn="l"/>
+                <a:tab pos="6858000" algn="l"/>
+                <a:tab pos="7315200" algn="l"/>
+                <a:tab pos="7772400" algn="l"/>
+                <a:tab pos="8229600" algn="l"/>
+                <a:tab pos="8686800" algn="l"/>
+                <a:tab pos="9144000" algn="l"/>
+              </a:tabLst>
+            </a:pPr>
+            <a:endParaRPr lang="en-US" sz="1400" dirty="0">
+              <a:solidFill>
+                <a:srgbClr val="000000"/>
+              </a:solidFill>
+              <a:latin typeface="Courier New" charset="0"/>
+              <a:ea typeface="Courier New" charset="0"/>
+              <a:cs typeface="Courier New" charset="0"/>
+            </a:endParaRPr>
+          </a:p>
+          <a:p>
+            <a:pPr>
+              <a:tabLst>
+                <a:tab pos="0" algn="l"/>
+                <a:tab pos="457200" algn="l"/>
+                <a:tab pos="914400" algn="l"/>
+                <a:tab pos="1371600" algn="l"/>
+                <a:tab pos="1828800" algn="l"/>
+                <a:tab pos="2286000" algn="l"/>
+                <a:tab pos="2743200" algn="l"/>
+                <a:tab pos="3200400" algn="l"/>
+                <a:tab pos="3657600" algn="l"/>
+                <a:tab pos="4114800" algn="l"/>
+                <a:tab pos="4572000" algn="l"/>
+                <a:tab pos="5029200" algn="l"/>
+                <a:tab pos="5486400" algn="l"/>
+                <a:tab pos="5943600" algn="l"/>
+                <a:tab pos="6400800" algn="l"/>
+                <a:tab pos="6858000" algn="l"/>
+                <a:tab pos="7315200" algn="l"/>
+                <a:tab pos="7772400" algn="l"/>
+                <a:tab pos="8229600" algn="l"/>
+                <a:tab pos="8686800" algn="l"/>
+                <a:tab pos="9144000" algn="l"/>
+              </a:tabLst>
+            </a:pPr>
+            <a:r>
+              <a:rPr lang="en-US" sz="1400" dirty="0">
+                <a:solidFill>
+                  <a:srgbClr val="7F7F7F"/>
+                </a:solidFill>
+                <a:latin typeface="Courier New" charset="0"/>
+                <a:ea typeface="Courier New" charset="0"/>
+                <a:cs typeface="Courier New" charset="0"/>
+              </a:rPr>
+              <a:t>  # Function Body</a:t>
+            </a:r>
+          </a:p>
+          <a:p>
+            <a:pPr>
+              <a:tabLst>
+                <a:tab pos="0" algn="l"/>
+                <a:tab pos="457200" algn="l"/>
+                <a:tab pos="914400" algn="l"/>
+                <a:tab pos="1371600" algn="l"/>
+                <a:tab pos="1828800" algn="l"/>
+                <a:tab pos="2286000" algn="l"/>
+                <a:tab pos="2743200" algn="l"/>
+                <a:tab pos="3200400" algn="l"/>
+                <a:tab pos="3657600" algn="l"/>
+                <a:tab pos="4114800" algn="l"/>
+                <a:tab pos="4572000" algn="l"/>
+                <a:tab pos="5029200" algn="l"/>
+                <a:tab pos="5486400" algn="l"/>
+                <a:tab pos="5943600" algn="l"/>
+                <a:tab pos="6400800" algn="l"/>
+                <a:tab pos="6858000" algn="l"/>
+                <a:tab pos="7315200" algn="l"/>
+                <a:tab pos="7772400" algn="l"/>
+                <a:tab pos="8229600" algn="l"/>
+                <a:tab pos="8686800" algn="l"/>
+                <a:tab pos="9144000" algn="l"/>
+              </a:tabLst>
+            </a:pPr>
+            <a:r>
+              <a:rPr lang="en-US" sz="1400" dirty="0">
+                <a:solidFill>
+                  <a:srgbClr val="7F7F7F"/>
+                </a:solidFill>
+                <a:latin typeface="Courier New" charset="0"/>
+                <a:ea typeface="Courier New" charset="0"/>
+                <a:cs typeface="Courier New" charset="0"/>
+              </a:rPr>
+              <a:t>  # The statistical simulation procedure will be here</a:t>
+            </a:r>
+          </a:p>
+          <a:p>
+            <a:pPr>
+              <a:tabLst>
+                <a:tab pos="0" algn="l"/>
+                <a:tab pos="457200" algn="l"/>
+                <a:tab pos="914400" algn="l"/>
+                <a:tab pos="1371600" algn="l"/>
+                <a:tab pos="1828800" algn="l"/>
+                <a:tab pos="2286000" algn="l"/>
+                <a:tab pos="2743200" algn="l"/>
+                <a:tab pos="3200400" algn="l"/>
+                <a:tab pos="3657600" algn="l"/>
+                <a:tab pos="4114800" algn="l"/>
+                <a:tab pos="4572000" algn="l"/>
+                <a:tab pos="5029200" algn="l"/>
+                <a:tab pos="5486400" algn="l"/>
+                <a:tab pos="5943600" algn="l"/>
+                <a:tab pos="6400800" algn="l"/>
+                <a:tab pos="6858000" algn="l"/>
+                <a:tab pos="7315200" algn="l"/>
+                <a:tab pos="7772400" algn="l"/>
+                <a:tab pos="8229600" algn="l"/>
+                <a:tab pos="8686800" algn="l"/>
+                <a:tab pos="9144000" algn="l"/>
+              </a:tabLst>
+            </a:pPr>
+            <a:r>
+              <a:rPr lang="en-US" sz="1400" dirty="0">
+                <a:solidFill>
+                  <a:srgbClr val="7F7F7F"/>
+                </a:solidFill>
+                <a:latin typeface="Courier New" charset="0"/>
+                <a:ea typeface="Courier New" charset="0"/>
+                <a:cs typeface="Courier New" charset="0"/>
+              </a:rPr>
+              <a:t>  # ...</a:t>
+            </a:r>
+          </a:p>
+          <a:p>
+            <a:pPr>
+              <a:tabLst>
+                <a:tab pos="0" algn="l"/>
+                <a:tab pos="457200" algn="l"/>
+                <a:tab pos="914400" algn="l"/>
+                <a:tab pos="1371600" algn="l"/>
+                <a:tab pos="1828800" algn="l"/>
+                <a:tab pos="2286000" algn="l"/>
+                <a:tab pos="2743200" algn="l"/>
+                <a:tab pos="3200400" algn="l"/>
+                <a:tab pos="3657600" algn="l"/>
+                <a:tab pos="4114800" algn="l"/>
+                <a:tab pos="4572000" algn="l"/>
+                <a:tab pos="5029200" algn="l"/>
+                <a:tab pos="5486400" algn="l"/>
+                <a:tab pos="5943600" algn="l"/>
+                <a:tab pos="6400800" algn="l"/>
+                <a:tab pos="6858000" algn="l"/>
+                <a:tab pos="7315200" algn="l"/>
+                <a:tab pos="7772400" algn="l"/>
+                <a:tab pos="8229600" algn="l"/>
+                <a:tab pos="8686800" algn="l"/>
+                <a:tab pos="9144000" algn="l"/>
+              </a:tabLst>
+            </a:pPr>
+            <a:endParaRPr lang="en-US" sz="1400" dirty="0">
+              <a:solidFill>
+                <a:srgbClr val="000000"/>
+              </a:solidFill>
+              <a:latin typeface="Courier New" charset="0"/>
+              <a:ea typeface="Courier New" charset="0"/>
+              <a:cs typeface="Courier New" charset="0"/>
+            </a:endParaRPr>
+          </a:p>
+          <a:p>
+            <a:pPr>
+              <a:tabLst>
+                <a:tab pos="0" algn="l"/>
+                <a:tab pos="457200" algn="l"/>
+                <a:tab pos="914400" algn="l"/>
+                <a:tab pos="1371600" algn="l"/>
+                <a:tab pos="1828800" algn="l"/>
+                <a:tab pos="2286000" algn="l"/>
+                <a:tab pos="2743200" algn="l"/>
+                <a:tab pos="3200400" algn="l"/>
+                <a:tab pos="3657600" algn="l"/>
+                <a:tab pos="4114800" algn="l"/>
+                <a:tab pos="4572000" algn="l"/>
+                <a:tab pos="5029200" algn="l"/>
+                <a:tab pos="5486400" algn="l"/>
+                <a:tab pos="5943600" algn="l"/>
+                <a:tab pos="6400800" algn="l"/>
+                <a:tab pos="6858000" algn="l"/>
+                <a:tab pos="7315200" algn="l"/>
+                <a:tab pos="7772400" algn="l"/>
+                <a:tab pos="8229600" algn="l"/>
+                <a:tab pos="8686800" algn="l"/>
+                <a:tab pos="9144000" algn="l"/>
+              </a:tabLst>
+            </a:pPr>
+            <a:r>
+              <a:rPr lang="en-US" sz="1400" dirty="0">
+                <a:solidFill>
+                  <a:srgbClr val="7F7F7F"/>
+                </a:solidFill>
+                <a:latin typeface="Courier New" charset="0"/>
+                <a:ea typeface="Courier New" charset="0"/>
+                <a:cs typeface="Courier New" charset="0"/>
+              </a:rPr>
+              <a:t>  # Below is the Return Value, which will be covered next</a:t>
+            </a:r>
+            <a:endParaRPr lang="en-US" sz="1400" dirty="0">
+              <a:solidFill>
+                <a:srgbClr val="000000"/>
+              </a:solidFill>
+              <a:latin typeface="Courier New" charset="0"/>
+              <a:ea typeface="Courier New" charset="0"/>
+              <a:cs typeface="Courier New" charset="0"/>
+            </a:endParaRPr>
+          </a:p>
+          <a:p>
+            <a:pPr>
+              <a:tabLst>
+                <a:tab pos="0" algn="l"/>
+                <a:tab pos="457200" algn="l"/>
+                <a:tab pos="914400" algn="l"/>
+                <a:tab pos="1371600" algn="l"/>
+                <a:tab pos="1828800" algn="l"/>
+                <a:tab pos="2286000" algn="l"/>
+                <a:tab pos="2743200" algn="l"/>
+                <a:tab pos="3200400" algn="l"/>
+                <a:tab pos="3657600" algn="l"/>
+                <a:tab pos="4114800" algn="l"/>
+                <a:tab pos="4572000" algn="l"/>
+                <a:tab pos="5029200" algn="l"/>
+                <a:tab pos="5486400" algn="l"/>
+                <a:tab pos="5943600" algn="l"/>
+                <a:tab pos="6400800" algn="l"/>
+                <a:tab pos="6858000" algn="l"/>
+                <a:tab pos="7315200" algn="l"/>
+                <a:tab pos="7772400" algn="l"/>
+                <a:tab pos="8229600" algn="l"/>
+                <a:tab pos="8686800" algn="l"/>
+                <a:tab pos="9144000" algn="l"/>
+              </a:tabLst>
+            </a:pPr>
+            <a:r>
+              <a:rPr lang="en-US" sz="1400" dirty="0">
+                <a:solidFill>
+                  <a:srgbClr val="000000"/>
+                </a:solidFill>
+                <a:latin typeface="Courier New" charset="0"/>
+                <a:ea typeface="Courier New" charset="0"/>
+                <a:cs typeface="Courier New" charset="0"/>
+              </a:rPr>
+              <a:t>  list(</a:t>
+            </a:r>
+          </a:p>
+          <a:p>
+            <a:pPr>
+              <a:tabLst>
+                <a:tab pos="0" algn="l"/>
+                <a:tab pos="457200" algn="l"/>
+                <a:tab pos="914400" algn="l"/>
+                <a:tab pos="1371600" algn="l"/>
+                <a:tab pos="1828800" algn="l"/>
+                <a:tab pos="2286000" algn="l"/>
+                <a:tab pos="2743200" algn="l"/>
+                <a:tab pos="3200400" algn="l"/>
+                <a:tab pos="3657600" algn="l"/>
+                <a:tab pos="4114800" algn="l"/>
+                <a:tab pos="4572000" algn="l"/>
+                <a:tab pos="5029200" algn="l"/>
+                <a:tab pos="5486400" algn="l"/>
+                <a:tab pos="5943600" algn="l"/>
+                <a:tab pos="6400800" algn="l"/>
+                <a:tab pos="6858000" algn="l"/>
+                <a:tab pos="7315200" algn="l"/>
+                <a:tab pos="7772400" algn="l"/>
+                <a:tab pos="8229600" algn="l"/>
+                <a:tab pos="8686800" algn="l"/>
+                <a:tab pos="9144000" algn="l"/>
+              </a:tabLst>
+            </a:pPr>
+            <a:r>
+              <a:rPr lang="en-US" sz="1400" dirty="0">
+                <a:solidFill>
+                  <a:srgbClr val="000000"/>
+                </a:solidFill>
+                <a:latin typeface="Courier New" charset="0"/>
+                <a:ea typeface="Courier New" charset="0"/>
+                <a:cs typeface="Courier New" charset="0"/>
+              </a:rPr>
+              <a:t>       </a:t>
+            </a:r>
+            <a:r>
+              <a:rPr lang="en-US" sz="1400" dirty="0">
+                <a:solidFill>
+                  <a:schemeClr val="accent2"/>
+                </a:solidFill>
+                <a:latin typeface="Courier New" charset="0"/>
+                <a:ea typeface="Courier New" charset="0"/>
+                <a:cs typeface="Courier New" charset="0"/>
+              </a:rPr>
+              <a:t>"Expected Values (for X)"</a:t>
+            </a:r>
+            <a:r>
+              <a:rPr lang="en-US" sz="1400" dirty="0">
+                <a:solidFill>
+                  <a:srgbClr val="000000"/>
+                </a:solidFill>
+                <a:latin typeface="Courier New" charset="0"/>
+                <a:ea typeface="Courier New" charset="0"/>
+                <a:cs typeface="Courier New" charset="0"/>
+              </a:rPr>
+              <a:t> = ev,</a:t>
+            </a:r>
+          </a:p>
+          <a:p>
+            <a:pPr>
+              <a:tabLst>
+                <a:tab pos="0" algn="l"/>
+                <a:tab pos="457200" algn="l"/>
+                <a:tab pos="914400" algn="l"/>
+                <a:tab pos="1371600" algn="l"/>
+                <a:tab pos="1828800" algn="l"/>
+                <a:tab pos="2286000" algn="l"/>
+                <a:tab pos="2743200" algn="l"/>
+                <a:tab pos="3200400" algn="l"/>
+                <a:tab pos="3657600" algn="l"/>
+                <a:tab pos="4114800" algn="l"/>
+                <a:tab pos="4572000" algn="l"/>
+                <a:tab pos="5029200" algn="l"/>
+                <a:tab pos="5486400" algn="l"/>
+                <a:tab pos="5943600" algn="l"/>
+                <a:tab pos="6400800" algn="l"/>
+                <a:tab pos="6858000" algn="l"/>
+                <a:tab pos="7315200" algn="l"/>
+                <a:tab pos="7772400" algn="l"/>
+                <a:tab pos="8229600" algn="l"/>
+                <a:tab pos="8686800" algn="l"/>
+                <a:tab pos="9144000" algn="l"/>
+              </a:tabLst>
+            </a:pPr>
+            <a:r>
+              <a:rPr lang="en-US" sz="1400" dirty="0">
+                <a:solidFill>
+                  <a:srgbClr val="000000"/>
+                </a:solidFill>
+                <a:latin typeface="Courier New" charset="0"/>
+                <a:ea typeface="Courier New" charset="0"/>
+                <a:cs typeface="Courier New" charset="0"/>
+              </a:rPr>
+              <a:t>       </a:t>
+            </a:r>
+            <a:r>
+              <a:rPr lang="en-US" sz="1400" dirty="0">
+                <a:solidFill>
+                  <a:schemeClr val="accent2"/>
+                </a:solidFill>
+                <a:latin typeface="Courier New" charset="0"/>
+                <a:ea typeface="Courier New" charset="0"/>
+                <a:cs typeface="Courier New" charset="0"/>
+              </a:rPr>
+              <a:t>"Expected Values (for X1)"</a:t>
+            </a:r>
+            <a:r>
+              <a:rPr lang="en-US" sz="1400" dirty="0">
+                <a:solidFill>
+                  <a:srgbClr val="000000"/>
+                </a:solidFill>
+                <a:latin typeface="Courier New" charset="0"/>
+                <a:ea typeface="Courier New" charset="0"/>
+                <a:cs typeface="Courier New" charset="0"/>
+              </a:rPr>
+              <a:t> = ev1,</a:t>
+            </a:r>
+          </a:p>
+          <a:p>
+            <a:pPr>
+              <a:tabLst>
+                <a:tab pos="0" algn="l"/>
+                <a:tab pos="457200" algn="l"/>
+                <a:tab pos="914400" algn="l"/>
+                <a:tab pos="1371600" algn="l"/>
+                <a:tab pos="1828800" algn="l"/>
+                <a:tab pos="2286000" algn="l"/>
+                <a:tab pos="2743200" algn="l"/>
+                <a:tab pos="3200400" algn="l"/>
+                <a:tab pos="3657600" algn="l"/>
+                <a:tab pos="4114800" algn="l"/>
+                <a:tab pos="4572000" algn="l"/>
+                <a:tab pos="5029200" algn="l"/>
+                <a:tab pos="5486400" algn="l"/>
+                <a:tab pos="5943600" algn="l"/>
+                <a:tab pos="6400800" algn="l"/>
+                <a:tab pos="6858000" algn="l"/>
+                <a:tab pos="7315200" algn="l"/>
+                <a:tab pos="7772400" algn="l"/>
+                <a:tab pos="8229600" algn="l"/>
+                <a:tab pos="8686800" algn="l"/>
+                <a:tab pos="9144000" algn="l"/>
+              </a:tabLst>
+            </a:pPr>
+            <a:r>
+              <a:rPr lang="en-US" sz="1400" dirty="0">
+                <a:solidFill>
+                  <a:srgbClr val="000000"/>
+                </a:solidFill>
+                <a:latin typeface="Courier New" charset="0"/>
+                <a:ea typeface="Courier New" charset="0"/>
+                <a:cs typeface="Courier New" charset="0"/>
+              </a:rPr>
+              <a:t>       )</a:t>
+            </a:r>
+            <a:endParaRPr lang="en-US" sz="1400" dirty="0">
+              <a:solidFill>
+                <a:srgbClr val="000000"/>
+              </a:solidFill>
+              <a:latin typeface="Courier New" charset="0"/>
+              <a:ea typeface="Courier New" charset="0"/>
+              <a:cs typeface="Courier New" charset="0"/>
+            </a:endParaRPr>
+          </a:p>
+          <a:p>
+            <a:pPr>
+              <a:tabLst>
+                <a:tab pos="0" algn="l"/>
+                <a:tab pos="457200" algn="l"/>
+                <a:tab pos="914400" algn="l"/>
+                <a:tab pos="1371600" algn="l"/>
+                <a:tab pos="1828800" algn="l"/>
+                <a:tab pos="2286000" algn="l"/>
+                <a:tab pos="2743200" algn="l"/>
+                <a:tab pos="3200400" algn="l"/>
+                <a:tab pos="3657600" algn="l"/>
+                <a:tab pos="4114800" algn="l"/>
+                <a:tab pos="4572000" algn="l"/>
+                <a:tab pos="5029200" algn="l"/>
+                <a:tab pos="5486400" algn="l"/>
+                <a:tab pos="5943600" algn="l"/>
+                <a:tab pos="6400800" algn="l"/>
+                <a:tab pos="6858000" algn="l"/>
+                <a:tab pos="7315200" algn="l"/>
+                <a:tab pos="7772400" algn="l"/>
+                <a:tab pos="8229600" algn="l"/>
+                <a:tab pos="8686800" algn="l"/>
+                <a:tab pos="9144000" algn="l"/>
+              </a:tabLst>
+            </a:pPr>
+            <a:r>
+              <a:rPr lang="en-US" sz="1400" dirty="0">
+                <a:solidFill>
+                  <a:srgbClr val="000000"/>
+                </a:solidFill>
+                <a:latin typeface="Courier New" charset="0"/>
+                <a:ea typeface="Courier New" charset="0"/>
+                <a:cs typeface="Courier New" charset="0"/>
+              </a:rPr>
+              <a:t>}</a:t>
+            </a:r>
+            <a:endParaRPr lang="en-US" sz="1400" dirty="0">
+              <a:solidFill>
+                <a:srgbClr val="7F7F7F"/>
+              </a:solidFill>
+              <a:latin typeface="Courier New" charset="0"/>
+              <a:ea typeface="Courier New" charset="0"/>
+              <a:cs typeface="Courier New" charset="0"/>
+            </a:endParaRPr>
+          </a:p>
+        </p:txBody>
+      </p:sp>
+      <p:sp>
+        <p:nvSpPr>
+          <p:cNvPr id="5" name="TextBox 4"/>
+          <p:cNvSpPr txBox="1"/>
+          <p:nvPr/>
+        </p:nvSpPr>
+        <p:spPr>
+          <a:xfrm>
+            <a:off x="457200" y="4623504"/>
+            <a:ext cx="8229600" cy="646331"/>
+          </a:xfrm>
+          <a:prstGeom prst="rect">
+            <a:avLst/>
+          </a:prstGeom>
+          <a:noFill/>
+        </p:spPr>
+        <p:txBody>
+          <a:bodyPr wrap="square" rtlCol="0">
+            <a:spAutoFit/>
+          </a:bodyPr>
+          <a:lstStyle/>
+          <a:p>
+            <a:r>
+              <a:rPr lang="en-US"/>
+              <a:t>Note that for a least-squares model that there is only a single outcome. Thus, </a:t>
+            </a:r>
+            <a:r>
+              <a:rPr lang="en-US" b="1"/>
+              <a:t>ev</a:t>
+            </a:r>
+            <a:r>
+              <a:rPr lang="en-US"/>
+              <a:t> and </a:t>
+            </a:r>
+            <a:r>
+              <a:rPr lang="en-US" b="1"/>
+              <a:t>ev1</a:t>
+            </a:r>
+            <a:r>
+              <a:rPr lang="en-US"/>
+              <a:t> should be specified as vectors!</a:t>
+            </a:r>
+          </a:p>
+        </p:txBody>
+      </p:sp>
+    </p:spTree>
+  </p:cSld>
+  <p:clrMapOvr>
+    <a:masterClrMapping/>
+  </p:clrMapOvr>
+  <p:timing>
+    <p:tnLst>
+      <p:par>
+        <p:cTn id="1" dur="indefinite" restart="never" nodeType="tmRoot">
+          <p:childTnLst>
+            <p:seq concurrent="1" nextAc="seek">
+              <p:cTn id="2" dur="indefinite" nodeType="mainSeq">
+                <p:childTnLst>
+                  <p:par>
+                    <p:cTn id="3" fill="hold">
+                      <p:stCondLst>
+                        <p:cond delay="indefinite"/>
+                      </p:stCondLst>
+                      <p:childTnLst>
+                        <p:par>
+                          <p:cTn id="4" fill="hold">
+                            <p:stCondLst>
+                              <p:cond delay="0"/>
+                            </p:stCondLst>
+                            <p:childTnLst>
+                              <p:par>
+                                <p:cTn id="5" presetID="1" presetClass="entr" fill="hold" nodeType="clickEffect">
+                                  <p:stCondLst>
+                                    <p:cond delay="0"/>
+                                  </p:stCondLst>
+                                  <p:childTnLst>
+                                    <p:set>
+                                      <p:cBhvr additive="repl">
+                                        <p:cTn id="6" dur="1" fill="hold">
+                                          <p:stCondLst>
+                                            <p:cond delay="0"/>
+                                          </p:stCondLst>
+                                        </p:cTn>
+                                        <p:tgtEl>
+                                          <p:spTgt spid="4"/>
+                                        </p:tgtEl>
+                                        <p:attrNameLst>
+                                          <p:attrName>style.visibility</p:attrName>
+                                        </p:attrNameLst>
+                                      </p:cBhvr>
+                                      <p:to>
+                                        <p:strVal val="visible"/>
+                                      </p:to>
+                                    </p:set>
+                                  </p:childTnLst>
+                                </p:cTn>
+                              </p:par>
+                            </p:childTnLst>
+                          </p:cTn>
+                        </p:par>
+                      </p:childTnLst>
+                    </p:cTn>
+                  </p:par>
+                </p:childTnLst>
+              </p:cTn>
+              <p:prevCondLst>
+                <p:cond evt="onPrev" delay="0">
+                  <p:tgtEl>
+                    <p:sldTgt/>
+                  </p:tgtEl>
+                </p:cond>
+              </p:prevCondLst>
+              <p:nextCondLst>
+                <p:cond evt="onNext" delay="0">
+                  <p:tgtEl>
+                    <p:sldTgt/>
+                  </p:tgtEl>
+                </p:cond>
+              </p:nextCondLst>
+            </p:seq>
+          </p:childTnLst>
+        </p:cTn>
+      </p:par>
+    </p:tnLst>
+  </p:timing>
+</p:sld>
+</file>
+
 <file path=ppt/slides/slide2.xml><?xml version="1.0" encoding="utf-8"?>
 <p:sld xmlns:a="http://schemas.openxmlformats.org/drawingml/2006/main" xmlns:r="http://schemas.openxmlformats.org/officeDocument/2006/relationships" xmlns:mc="http://schemas.openxmlformats.org/markup-compatibility/2006" xmlns:mv="urn:schemas-microsoft-com:mac:vml" xmlns:p="http://schemas.openxmlformats.org/presentationml/2006/main" mc:Ignorable="mv" mc:PreserveAttributes="mv:*">
   <p:cSld>
@@ -3201,6 +4054,1235 @@
   <p:clrMapOvr>
     <a:masterClrMapping/>
   </p:clrMapOvr>
+</p:sld>
+</file>
+
+<file path=ppt/slides/slide3.xml><?xml version="1.0" encoding="utf-8"?>
+<p:sld xmlns:a="http://schemas.openxmlformats.org/drawingml/2006/main" xmlns:r="http://schemas.openxmlformats.org/officeDocument/2006/relationships" xmlns:mc="http://schemas.openxmlformats.org/markup-compatibility/2006" xmlns:mv="urn:schemas-microsoft-com:mac:vml" xmlns:p="http://schemas.openxmlformats.org/presentationml/2006/main" mc:Ignorable="mv" mc:PreserveAttributes="mv:*">
+  <p:cSld>
+    <p:spTree>
+      <p:nvGrpSpPr>
+        <p:cNvPr id="1" name=""/>
+        <p:cNvGrpSpPr/>
+        <p:nvPr/>
+      </p:nvGrpSpPr>
+      <p:grpSpPr>
+        <a:xfrm>
+          <a:off x="0" y="0"/>
+          <a:ext cx="0" cy="0"/>
+          <a:chOff x="0" y="0"/>
+          <a:chExt cx="0" cy="0"/>
+        </a:xfrm>
+      </p:grpSpPr>
+      <p:sp>
+        <p:nvSpPr>
+          <p:cNvPr id="6" name="Title 5"/>
+          <p:cNvSpPr>
+            <a:spLocks noGrp="1"/>
+          </p:cNvSpPr>
+          <p:nvPr>
+            <p:ph type="ctrTitle"/>
+          </p:nvPr>
+        </p:nvSpPr>
+        <p:spPr/>
+        <p:txBody>
+          <a:bodyPr/>
+          <a:lstStyle/>
+          <a:p>
+            <a:r>
+              <a:rPr lang="en-US"/>
+              <a:t>Statistical Simulation</a:t>
+            </a:r>
+          </a:p>
+        </p:txBody>
+      </p:sp>
+      <p:sp>
+        <p:nvSpPr>
+          <p:cNvPr id="7" name="Subtitle 6"/>
+          <p:cNvSpPr>
+            <a:spLocks noGrp="1"/>
+          </p:cNvSpPr>
+          <p:nvPr>
+            <p:ph type="subTitle" idx="1"/>
+          </p:nvPr>
+        </p:nvSpPr>
+        <p:spPr/>
+        <p:txBody>
+          <a:bodyPr/>
+          <a:lstStyle/>
+          <a:p>
+            <a:endParaRPr lang="en-US"/>
+          </a:p>
+        </p:txBody>
+      </p:sp>
+    </p:spTree>
+  </p:cSld>
+  <p:clrMapOvr>
+    <a:masterClrMapping/>
+  </p:clrMapOvr>
+</p:sld>
+</file>
+
+<file path=ppt/slides/slide4.xml><?xml version="1.0" encoding="utf-8"?>
+<p:sld xmlns:a="http://schemas.openxmlformats.org/drawingml/2006/main" xmlns:r="http://schemas.openxmlformats.org/officeDocument/2006/relationships" xmlns:mc="http://schemas.openxmlformats.org/markup-compatibility/2006" xmlns:mv="urn:schemas-microsoft-com:mac:vml" xmlns:p="http://schemas.openxmlformats.org/presentationml/2006/main" mc:Ignorable="mv" mc:PreserveAttributes="mv:*">
+  <p:cSld>
+    <p:spTree>
+      <p:nvGrpSpPr>
+        <p:cNvPr id="1" name=""/>
+        <p:cNvGrpSpPr/>
+        <p:nvPr/>
+      </p:nvGrpSpPr>
+      <p:grpSpPr>
+        <a:xfrm>
+          <a:off x="0" y="0"/>
+          <a:ext cx="0" cy="0"/>
+          <a:chOff x="0" y="0"/>
+          <a:chExt cx="0" cy="0"/>
+        </a:xfrm>
+      </p:grpSpPr>
+      <p:sp>
+        <p:nvSpPr>
+          <p:cNvPr id="4" name="Title 3"/>
+          <p:cNvSpPr>
+            <a:spLocks noGrp="1"/>
+          </p:cNvSpPr>
+          <p:nvPr>
+            <p:ph type="ctrTitle"/>
+          </p:nvPr>
+        </p:nvSpPr>
+        <p:spPr/>
+        <p:txBody>
+          <a:bodyPr/>
+          <a:lstStyle/>
+          <a:p>
+            <a:r>
+              <a:rPr lang="en-US"/>
+              <a:t>The "sim" Method</a:t>
+            </a:r>
+          </a:p>
+        </p:txBody>
+      </p:sp>
+      <p:sp>
+        <p:nvSpPr>
+          <p:cNvPr id="5" name="Subtitle 4"/>
+          <p:cNvSpPr>
+            <a:spLocks noGrp="1"/>
+          </p:cNvSpPr>
+          <p:nvPr>
+            <p:ph type="subTitle" idx="1"/>
+          </p:nvPr>
+        </p:nvSpPr>
+        <p:spPr/>
+        <p:txBody>
+          <a:bodyPr/>
+          <a:lstStyle/>
+          <a:p>
+            <a:endParaRPr lang="en-US"/>
+          </a:p>
+        </p:txBody>
+      </p:sp>
+    </p:spTree>
+  </p:cSld>
+  <p:clrMapOvr>
+    <a:masterClrMapping/>
+  </p:clrMapOvr>
+</p:sld>
+</file>
+
+<file path=ppt/slides/slide5.xml><?xml version="1.0" encoding="utf-8"?>
+<p:sld xmlns:a="http://schemas.openxmlformats.org/drawingml/2006/main" xmlns:r="http://schemas.openxmlformats.org/officeDocument/2006/relationships" xmlns:mc="http://schemas.openxmlformats.org/markup-compatibility/2006" xmlns:mv="urn:schemas-microsoft-com:mac:vml" xmlns:p="http://schemas.openxmlformats.org/presentationml/2006/main" mc:Ignorable="mv" mc:PreserveAttributes="mv:*">
+  <p:cSld>
+    <p:spTree>
+      <p:nvGrpSpPr>
+        <p:cNvPr id="1" name=""/>
+        <p:cNvGrpSpPr/>
+        <p:nvPr/>
+      </p:nvGrpSpPr>
+      <p:grpSpPr>
+        <a:xfrm>
+          <a:off x="0" y="0"/>
+          <a:ext cx="0" cy="0"/>
+          <a:chOff x="0" y="0"/>
+          <a:chExt cx="0" cy="0"/>
+        </a:xfrm>
+      </p:grpSpPr>
+      <p:sp>
+        <p:nvSpPr>
+          <p:cNvPr id="2" name="Title 1"/>
+          <p:cNvSpPr>
+            <a:spLocks noGrp="1"/>
+          </p:cNvSpPr>
+          <p:nvPr>
+            <p:ph type="title"/>
+          </p:nvPr>
+        </p:nvSpPr>
+        <p:spPr/>
+        <p:txBody>
+          <a:bodyPr/>
+          <a:lstStyle/>
+          <a:p>
+            <a:endParaRPr lang="en-US"/>
+          </a:p>
+        </p:txBody>
+      </p:sp>
+      <p:sp>
+        <p:nvSpPr>
+          <p:cNvPr id="3" name="Content Placeholder 2"/>
+          <p:cNvSpPr>
+            <a:spLocks noGrp="1"/>
+          </p:cNvSpPr>
+          <p:nvPr>
+            <p:ph idx="1"/>
+          </p:nvPr>
+        </p:nvSpPr>
+        <p:spPr/>
+        <p:txBody>
+          <a:bodyPr/>
+          <a:lstStyle/>
+          <a:p>
+            <a:r>
+              <a:rPr lang="en-US"/>
+              <a:t>Introduction</a:t>
+            </a:r>
+          </a:p>
+          <a:p>
+            <a:r>
+              <a:rPr lang="en-US"/>
+              <a:t>Example</a:t>
+            </a:r>
+          </a:p>
+          <a:p>
+            <a:r>
+              <a:rPr lang="en-US"/>
+              <a:t>Function signature</a:t>
+            </a:r>
+          </a:p>
+          <a:p>
+            <a:r>
+              <a:rPr lang="en-US"/>
+              <a:t>Return value</a:t>
+            </a:r>
+          </a:p>
+          <a:p>
+            <a:r>
+              <a:rPr lang="en-US"/>
+              <a:t>Function body</a:t>
+            </a:r>
+          </a:p>
+          <a:p>
+            <a:r>
+              <a:rPr lang="en-US"/>
+              <a:t>Theory</a:t>
+            </a:r>
+          </a:p>
+          <a:p>
+            <a:endParaRPr lang="en-US"/>
+          </a:p>
+        </p:txBody>
+      </p:sp>
+    </p:spTree>
+  </p:cSld>
+  <p:clrMapOvr>
+    <a:masterClrMapping/>
+  </p:clrMapOvr>
+</p:sld>
+</file>
+
+<file path=ppt/slides/slide6.xml><?xml version="1.0" encoding="utf-8"?>
+<p:sld xmlns:a="http://schemas.openxmlformats.org/drawingml/2006/main" xmlns:r="http://schemas.openxmlformats.org/officeDocument/2006/relationships" xmlns:mc="http://schemas.openxmlformats.org/markup-compatibility/2006" xmlns:mv="urn:schemas-microsoft-com:mac:vml" xmlns:p="http://schemas.openxmlformats.org/presentationml/2006/main" mc:Ignorable="mv" mc:PreserveAttributes="mv:*">
+  <p:cSld>
+    <p:spTree>
+      <p:nvGrpSpPr>
+        <p:cNvPr id="1" name=""/>
+        <p:cNvGrpSpPr/>
+        <p:nvPr/>
+      </p:nvGrpSpPr>
+      <p:grpSpPr>
+        <a:xfrm>
+          <a:off x="0" y="0"/>
+          <a:ext cx="0" cy="0"/>
+          <a:chOff x="0" y="0"/>
+          <a:chExt cx="0" cy="0"/>
+        </a:xfrm>
+      </p:grpSpPr>
+      <p:sp>
+        <p:nvSpPr>
+          <p:cNvPr id="2" name="Title 1"/>
+          <p:cNvSpPr>
+            <a:spLocks noGrp="1"/>
+          </p:cNvSpPr>
+          <p:nvPr>
+            <p:ph type="title"/>
+          </p:nvPr>
+        </p:nvSpPr>
+        <p:spPr/>
+        <p:txBody>
+          <a:bodyPr/>
+          <a:lstStyle/>
+          <a:p>
+            <a:r>
+              <a:rPr lang="en-US"/>
+              <a:t>Introduction</a:t>
+            </a:r>
+          </a:p>
+        </p:txBody>
+      </p:sp>
+      <p:sp>
+        <p:nvSpPr>
+          <p:cNvPr id="3" name="Content Placeholder 2"/>
+          <p:cNvSpPr>
+            <a:spLocks noGrp="1"/>
+          </p:cNvSpPr>
+          <p:nvPr>
+            <p:ph idx="1"/>
+          </p:nvPr>
+        </p:nvSpPr>
+        <p:spPr/>
+        <p:txBody>
+          <a:bodyPr/>
+          <a:lstStyle/>
+          <a:p>
+            <a:r>
+              <a:rPr lang="en-US"/>
+              <a:t>Used to implement the actual process of statistical simulation</a:t>
+            </a:r>
+          </a:p>
+          <a:p>
+            <a:r>
+              <a:rPr lang="en-US"/>
+              <a:t>Uses the simulated parameters (from param method)</a:t>
+            </a:r>
+          </a:p>
+          <a:p>
+            <a:r>
+              <a:rPr lang="en-US"/>
+              <a:t>As well as the simulated parameters</a:t>
+            </a:r>
+          </a:p>
+          <a:p>
+            <a:r>
+              <a:rPr lang="en-US"/>
+              <a:t>Has a specific </a:t>
+            </a:r>
+            <a:r>
+              <a:rPr lang="en-US" i="1"/>
+              <a:t>function signature</a:t>
+            </a:r>
+            <a:endParaRPr lang="en-US"/>
+          </a:p>
+          <a:p>
+            <a:r>
+              <a:rPr lang="en-US"/>
+              <a:t>Return value is a </a:t>
+            </a:r>
+            <a:r>
+              <a:rPr lang="en-US" i="1"/>
+              <a:t>list</a:t>
+            </a:r>
+          </a:p>
+        </p:txBody>
+      </p:sp>
+    </p:spTree>
+  </p:cSld>
+  <p:clrMapOvr>
+    <a:masterClrMapping/>
+  </p:clrMapOvr>
+</p:sld>
+</file>
+
+<file path=ppt/slides/slide7.xml><?xml version="1.0" encoding="utf-8"?>
+<p:sld xmlns:a="http://schemas.openxmlformats.org/drawingml/2006/main" xmlns:r="http://schemas.openxmlformats.org/officeDocument/2006/relationships" xmlns:mc="http://schemas.openxmlformats.org/markup-compatibility/2006" xmlns:mv="urn:schemas-microsoft-com:mac:vml" xmlns:p="http://schemas.openxmlformats.org/presentationml/2006/main" mc:Ignorable="mv" mc:PreserveAttributes="mv:*">
+  <p:cSld>
+    <p:spTree>
+      <p:nvGrpSpPr>
+        <p:cNvPr id="1" name=""/>
+        <p:cNvGrpSpPr/>
+        <p:nvPr/>
+      </p:nvGrpSpPr>
+      <p:grpSpPr>
+        <a:xfrm>
+          <a:off x="0" y="0"/>
+          <a:ext cx="0" cy="0"/>
+          <a:chOff x="0" y="0"/>
+          <a:chExt cx="0" cy="0"/>
+        </a:xfrm>
+      </p:grpSpPr>
+      <p:sp>
+        <p:nvSpPr>
+          <p:cNvPr id="2" name="Title 1"/>
+          <p:cNvSpPr>
+            <a:spLocks noGrp="1"/>
+          </p:cNvSpPr>
+          <p:nvPr>
+            <p:ph type="title"/>
+          </p:nvPr>
+        </p:nvSpPr>
+        <p:spPr/>
+        <p:txBody>
+          <a:bodyPr/>
+          <a:lstStyle/>
+          <a:p>
+            <a:r>
+              <a:rPr lang="en-US"/>
+              <a:t>Function Signature</a:t>
+            </a:r>
+          </a:p>
+        </p:txBody>
+      </p:sp>
+      <p:sp>
+        <p:nvSpPr>
+          <p:cNvPr id="3" name="Content Placeholder 2"/>
+          <p:cNvSpPr>
+            <a:spLocks noGrp="1"/>
+          </p:cNvSpPr>
+          <p:nvPr>
+            <p:ph idx="1"/>
+          </p:nvPr>
+        </p:nvSpPr>
+        <p:spPr/>
+        <p:txBody>
+          <a:bodyPr/>
+          <a:lstStyle/>
+          <a:p>
+            <a:r>
+              <a:rPr lang="en-US"/>
+              <a:t>No matter which model you are making this will not differ!</a:t>
+            </a:r>
+          </a:p>
+          <a:p>
+            <a:r>
+              <a:rPr lang="en-US"/>
+              <a:t>sim.&lt;model-name&gt;</a:t>
+            </a:r>
+          </a:p>
+          <a:p>
+            <a:r>
+              <a:rPr lang="en-US"/>
+              <a:t>Four parameters:</a:t>
+            </a:r>
+          </a:p>
+          <a:p>
+            <a:pPr lvl="1"/>
+            <a:r>
+              <a:rPr lang="en-US"/>
+              <a:t>obj</a:t>
+            </a:r>
+          </a:p>
+          <a:p>
+            <a:pPr lvl="1"/>
+            <a:r>
+              <a:rPr lang="en-US"/>
+              <a:t>x</a:t>
+            </a:r>
+          </a:p>
+          <a:p>
+            <a:pPr lvl="1"/>
+            <a:r>
+              <a:rPr lang="en-US"/>
+              <a:t>x1</a:t>
+            </a:r>
+          </a:p>
+          <a:p>
+            <a:pPr lvl="1"/>
+            <a:r>
+              <a:rPr lang="en-US"/>
+              <a:t>param</a:t>
+            </a:r>
+          </a:p>
+          <a:p>
+            <a:endParaRPr lang="en-US"/>
+          </a:p>
+        </p:txBody>
+      </p:sp>
+    </p:spTree>
+  </p:cSld>
+  <p:clrMapOvr>
+    <a:masterClrMapping/>
+  </p:clrMapOvr>
+</p:sld>
+</file>
+
+<file path=ppt/slides/slide8.xml><?xml version="1.0" encoding="utf-8"?>
+<p:sld xmlns:a="http://schemas.openxmlformats.org/drawingml/2006/main" xmlns:r="http://schemas.openxmlformats.org/officeDocument/2006/relationships" xmlns:mc="http://schemas.openxmlformats.org/markup-compatibility/2006" xmlns:mv="urn:schemas-microsoft-com:mac:vml" xmlns:p="http://schemas.openxmlformats.org/presentationml/2006/main" mc:Ignorable="mv" mc:PreserveAttributes="mv:*">
+  <p:cSld>
+    <p:spTree>
+      <p:nvGrpSpPr>
+        <p:cNvPr id="1" name=""/>
+        <p:cNvGrpSpPr/>
+        <p:nvPr/>
+      </p:nvGrpSpPr>
+      <p:grpSpPr>
+        <a:xfrm>
+          <a:off x="0" y="0"/>
+          <a:ext cx="0" cy="0"/>
+          <a:chOff x="0" y="0"/>
+          <a:chExt cx="0" cy="0"/>
+        </a:xfrm>
+      </p:grpSpPr>
+      <p:sp>
+        <p:nvSpPr>
+          <p:cNvPr id="2" name="Title 1"/>
+          <p:cNvSpPr>
+            <a:spLocks noGrp="1"/>
+          </p:cNvSpPr>
+          <p:nvPr>
+            <p:ph type="title"/>
+          </p:nvPr>
+        </p:nvSpPr>
+        <p:spPr/>
+        <p:txBody>
+          <a:bodyPr/>
+          <a:lstStyle/>
+          <a:p>
+            <a:r>
+              <a:rPr lang="en-US"/>
+              <a:t>Function Signature (Example)</a:t>
+            </a:r>
+          </a:p>
+        </p:txBody>
+      </p:sp>
+      <p:sp>
+        <p:nvSpPr>
+          <p:cNvPr id="4" name="Text Box 4"/>
+          <p:cNvSpPr txBox="1">
+            <a:spLocks noChangeArrowheads="1"/>
+          </p:cNvSpPr>
+          <p:nvPr/>
+        </p:nvSpPr>
+        <p:spPr bwMode="auto">
+          <a:xfrm>
+            <a:off x="457200" y="1571037"/>
+            <a:ext cx="8229600" cy="2679837"/>
+          </a:xfrm>
+          <a:prstGeom prst="rect">
+            <a:avLst/>
+          </a:prstGeom>
+          <a:noFill/>
+          <a:ln w="9360">
+            <a:solidFill>
+              <a:srgbClr val="000000"/>
+            </a:solidFill>
+            <a:prstDash val="dashDot"/>
+            <a:miter lim="800000"/>
+            <a:headEnd/>
+            <a:tailEnd/>
+          </a:ln>
+        </p:spPr>
+        <p:txBody>
+          <a:bodyPr wrap="square" lIns="90000" tIns="46800" rIns="90000" bIns="46800">
+            <a:prstTxWarp prst="textNoShape">
+              <a:avLst/>
+            </a:prstTxWarp>
+            <a:spAutoFit/>
+          </a:bodyPr>
+          <a:lstStyle/>
+          <a:p>
+            <a:pPr>
+              <a:buClrTx/>
+              <a:buFontTx/>
+              <a:buNone/>
+              <a:tabLst>
+                <a:tab pos="0" algn="l"/>
+                <a:tab pos="457200" algn="l"/>
+                <a:tab pos="914400" algn="l"/>
+                <a:tab pos="1371600" algn="l"/>
+                <a:tab pos="1828800" algn="l"/>
+                <a:tab pos="2286000" algn="l"/>
+                <a:tab pos="2743200" algn="l"/>
+                <a:tab pos="3200400" algn="l"/>
+                <a:tab pos="3657600" algn="l"/>
+                <a:tab pos="4114800" algn="l"/>
+                <a:tab pos="4572000" algn="l"/>
+                <a:tab pos="5029200" algn="l"/>
+                <a:tab pos="5486400" algn="l"/>
+                <a:tab pos="5943600" algn="l"/>
+                <a:tab pos="6400800" algn="l"/>
+                <a:tab pos="6858000" algn="l"/>
+                <a:tab pos="7315200" algn="l"/>
+                <a:tab pos="7772400" algn="l"/>
+                <a:tab pos="8229600" algn="l"/>
+                <a:tab pos="8686800" algn="l"/>
+                <a:tab pos="9144000" algn="l"/>
+              </a:tabLst>
+            </a:pPr>
+            <a:r>
+              <a:rPr lang="en-US" sz="1400" dirty="0">
+                <a:solidFill>
+                  <a:srgbClr val="7F7F7F"/>
+                </a:solidFill>
+                <a:latin typeface="Courier New" charset="0"/>
+                <a:ea typeface="Courier New" charset="0"/>
+                <a:cs typeface="Courier New" charset="0"/>
+              </a:rPr>
+              <a:t># The Function Signature for the logit function</a:t>
+            </a:r>
+          </a:p>
+          <a:p>
+            <a:pPr>
+              <a:tabLst>
+                <a:tab pos="0" algn="l"/>
+                <a:tab pos="457200" algn="l"/>
+                <a:tab pos="914400" algn="l"/>
+                <a:tab pos="1371600" algn="l"/>
+                <a:tab pos="1828800" algn="l"/>
+                <a:tab pos="2286000" algn="l"/>
+                <a:tab pos="2743200" algn="l"/>
+                <a:tab pos="3200400" algn="l"/>
+                <a:tab pos="3657600" algn="l"/>
+                <a:tab pos="4114800" algn="l"/>
+                <a:tab pos="4572000" algn="l"/>
+                <a:tab pos="5029200" algn="l"/>
+                <a:tab pos="5486400" algn="l"/>
+                <a:tab pos="5943600" algn="l"/>
+                <a:tab pos="6400800" algn="l"/>
+                <a:tab pos="6858000" algn="l"/>
+                <a:tab pos="7315200" algn="l"/>
+                <a:tab pos="7772400" algn="l"/>
+                <a:tab pos="8229600" algn="l"/>
+                <a:tab pos="8686800" algn="l"/>
+                <a:tab pos="9144000" algn="l"/>
+              </a:tabLst>
+            </a:pPr>
+            <a:r>
+              <a:rPr lang="en-US" sz="1400" dirty="0">
+                <a:solidFill>
+                  <a:srgbClr val="000000"/>
+                </a:solidFill>
+                <a:latin typeface="Courier New" charset="0"/>
+                <a:ea typeface="Courier New" charset="0"/>
+                <a:cs typeface="Courier New" charset="0"/>
+              </a:rPr>
+              <a:t>qi.ls &lt;- function(obj, x=NULL, x1=NULL, y=NULL, num=1000, param=NULL) {</a:t>
+            </a:r>
+          </a:p>
+          <a:p>
+            <a:pPr>
+              <a:tabLst>
+                <a:tab pos="0" algn="l"/>
+                <a:tab pos="457200" algn="l"/>
+                <a:tab pos="914400" algn="l"/>
+                <a:tab pos="1371600" algn="l"/>
+                <a:tab pos="1828800" algn="l"/>
+                <a:tab pos="2286000" algn="l"/>
+                <a:tab pos="2743200" algn="l"/>
+                <a:tab pos="3200400" algn="l"/>
+                <a:tab pos="3657600" algn="l"/>
+                <a:tab pos="4114800" algn="l"/>
+                <a:tab pos="4572000" algn="l"/>
+                <a:tab pos="5029200" algn="l"/>
+                <a:tab pos="5486400" algn="l"/>
+                <a:tab pos="5943600" algn="l"/>
+                <a:tab pos="6400800" algn="l"/>
+                <a:tab pos="6858000" algn="l"/>
+                <a:tab pos="7315200" algn="l"/>
+                <a:tab pos="7772400" algn="l"/>
+                <a:tab pos="8229600" algn="l"/>
+                <a:tab pos="8686800" algn="l"/>
+                <a:tab pos="9144000" algn="l"/>
+              </a:tabLst>
+            </a:pPr>
+            <a:endParaRPr lang="en-US" sz="1400" dirty="0">
+              <a:solidFill>
+                <a:srgbClr val="000000"/>
+              </a:solidFill>
+              <a:latin typeface="Courier New" charset="0"/>
+              <a:ea typeface="Courier New" charset="0"/>
+              <a:cs typeface="Courier New" charset="0"/>
+            </a:endParaRPr>
+          </a:p>
+          <a:p>
+            <a:pPr>
+              <a:tabLst>
+                <a:tab pos="0" algn="l"/>
+                <a:tab pos="457200" algn="l"/>
+                <a:tab pos="914400" algn="l"/>
+                <a:tab pos="1371600" algn="l"/>
+                <a:tab pos="1828800" algn="l"/>
+                <a:tab pos="2286000" algn="l"/>
+                <a:tab pos="2743200" algn="l"/>
+                <a:tab pos="3200400" algn="l"/>
+                <a:tab pos="3657600" algn="l"/>
+                <a:tab pos="4114800" algn="l"/>
+                <a:tab pos="4572000" algn="l"/>
+                <a:tab pos="5029200" algn="l"/>
+                <a:tab pos="5486400" algn="l"/>
+                <a:tab pos="5943600" algn="l"/>
+                <a:tab pos="6400800" algn="l"/>
+                <a:tab pos="6858000" algn="l"/>
+                <a:tab pos="7315200" algn="l"/>
+                <a:tab pos="7772400" algn="l"/>
+                <a:tab pos="8229600" algn="l"/>
+                <a:tab pos="8686800" algn="l"/>
+                <a:tab pos="9144000" algn="l"/>
+              </a:tabLst>
+            </a:pPr>
+            <a:r>
+              <a:rPr lang="en-US" sz="1400" dirty="0">
+                <a:solidFill>
+                  <a:srgbClr val="7F7F7F"/>
+                </a:solidFill>
+                <a:latin typeface="Courier New" charset="0"/>
+                <a:ea typeface="Courier New" charset="0"/>
+                <a:cs typeface="Courier New" charset="0"/>
+              </a:rPr>
+              <a:t>  # Function Body</a:t>
+            </a:r>
+          </a:p>
+          <a:p>
+            <a:pPr>
+              <a:tabLst>
+                <a:tab pos="0" algn="l"/>
+                <a:tab pos="457200" algn="l"/>
+                <a:tab pos="914400" algn="l"/>
+                <a:tab pos="1371600" algn="l"/>
+                <a:tab pos="1828800" algn="l"/>
+                <a:tab pos="2286000" algn="l"/>
+                <a:tab pos="2743200" algn="l"/>
+                <a:tab pos="3200400" algn="l"/>
+                <a:tab pos="3657600" algn="l"/>
+                <a:tab pos="4114800" algn="l"/>
+                <a:tab pos="4572000" algn="l"/>
+                <a:tab pos="5029200" algn="l"/>
+                <a:tab pos="5486400" algn="l"/>
+                <a:tab pos="5943600" algn="l"/>
+                <a:tab pos="6400800" algn="l"/>
+                <a:tab pos="6858000" algn="l"/>
+                <a:tab pos="7315200" algn="l"/>
+                <a:tab pos="7772400" algn="l"/>
+                <a:tab pos="8229600" algn="l"/>
+                <a:tab pos="8686800" algn="l"/>
+                <a:tab pos="9144000" algn="l"/>
+              </a:tabLst>
+            </a:pPr>
+            <a:r>
+              <a:rPr lang="en-US" sz="1400" dirty="0">
+                <a:solidFill>
+                  <a:srgbClr val="7F7F7F"/>
+                </a:solidFill>
+                <a:latin typeface="Courier New" charset="0"/>
+                <a:ea typeface="Courier New" charset="0"/>
+                <a:cs typeface="Courier New" charset="0"/>
+              </a:rPr>
+              <a:t>  # The statistical simulation procedure will be here</a:t>
+            </a:r>
+          </a:p>
+          <a:p>
+            <a:pPr>
+              <a:tabLst>
+                <a:tab pos="0" algn="l"/>
+                <a:tab pos="457200" algn="l"/>
+                <a:tab pos="914400" algn="l"/>
+                <a:tab pos="1371600" algn="l"/>
+                <a:tab pos="1828800" algn="l"/>
+                <a:tab pos="2286000" algn="l"/>
+                <a:tab pos="2743200" algn="l"/>
+                <a:tab pos="3200400" algn="l"/>
+                <a:tab pos="3657600" algn="l"/>
+                <a:tab pos="4114800" algn="l"/>
+                <a:tab pos="4572000" algn="l"/>
+                <a:tab pos="5029200" algn="l"/>
+                <a:tab pos="5486400" algn="l"/>
+                <a:tab pos="5943600" algn="l"/>
+                <a:tab pos="6400800" algn="l"/>
+                <a:tab pos="6858000" algn="l"/>
+                <a:tab pos="7315200" algn="l"/>
+                <a:tab pos="7772400" algn="l"/>
+                <a:tab pos="8229600" algn="l"/>
+                <a:tab pos="8686800" algn="l"/>
+                <a:tab pos="9144000" algn="l"/>
+              </a:tabLst>
+            </a:pPr>
+            <a:r>
+              <a:rPr lang="en-US" sz="1400" dirty="0">
+                <a:solidFill>
+                  <a:srgbClr val="7F7F7F"/>
+                </a:solidFill>
+                <a:latin typeface="Courier New" charset="0"/>
+                <a:ea typeface="Courier New" charset="0"/>
+                <a:cs typeface="Courier New" charset="0"/>
+              </a:rPr>
+              <a:t>  # ...</a:t>
+            </a:r>
+          </a:p>
+          <a:p>
+            <a:pPr>
+              <a:tabLst>
+                <a:tab pos="0" algn="l"/>
+                <a:tab pos="457200" algn="l"/>
+                <a:tab pos="914400" algn="l"/>
+                <a:tab pos="1371600" algn="l"/>
+                <a:tab pos="1828800" algn="l"/>
+                <a:tab pos="2286000" algn="l"/>
+                <a:tab pos="2743200" algn="l"/>
+                <a:tab pos="3200400" algn="l"/>
+                <a:tab pos="3657600" algn="l"/>
+                <a:tab pos="4114800" algn="l"/>
+                <a:tab pos="4572000" algn="l"/>
+                <a:tab pos="5029200" algn="l"/>
+                <a:tab pos="5486400" algn="l"/>
+                <a:tab pos="5943600" algn="l"/>
+                <a:tab pos="6400800" algn="l"/>
+                <a:tab pos="6858000" algn="l"/>
+                <a:tab pos="7315200" algn="l"/>
+                <a:tab pos="7772400" algn="l"/>
+                <a:tab pos="8229600" algn="l"/>
+                <a:tab pos="8686800" algn="l"/>
+                <a:tab pos="9144000" algn="l"/>
+              </a:tabLst>
+            </a:pPr>
+            <a:endParaRPr lang="en-US" sz="1400" dirty="0">
+              <a:solidFill>
+                <a:srgbClr val="000000"/>
+              </a:solidFill>
+              <a:latin typeface="Courier New" charset="0"/>
+              <a:ea typeface="Courier New" charset="0"/>
+              <a:cs typeface="Courier New" charset="0"/>
+            </a:endParaRPr>
+          </a:p>
+          <a:p>
+            <a:pPr>
+              <a:tabLst>
+                <a:tab pos="0" algn="l"/>
+                <a:tab pos="457200" algn="l"/>
+                <a:tab pos="914400" algn="l"/>
+                <a:tab pos="1371600" algn="l"/>
+                <a:tab pos="1828800" algn="l"/>
+                <a:tab pos="2286000" algn="l"/>
+                <a:tab pos="2743200" algn="l"/>
+                <a:tab pos="3200400" algn="l"/>
+                <a:tab pos="3657600" algn="l"/>
+                <a:tab pos="4114800" algn="l"/>
+                <a:tab pos="4572000" algn="l"/>
+                <a:tab pos="5029200" algn="l"/>
+                <a:tab pos="5486400" algn="l"/>
+                <a:tab pos="5943600" algn="l"/>
+                <a:tab pos="6400800" algn="l"/>
+                <a:tab pos="6858000" algn="l"/>
+                <a:tab pos="7315200" algn="l"/>
+                <a:tab pos="7772400" algn="l"/>
+                <a:tab pos="8229600" algn="l"/>
+                <a:tab pos="8686800" algn="l"/>
+                <a:tab pos="9144000" algn="l"/>
+              </a:tabLst>
+            </a:pPr>
+            <a:r>
+              <a:rPr lang="en-US" sz="1400" dirty="0">
+                <a:solidFill>
+                  <a:srgbClr val="7F7F7F"/>
+                </a:solidFill>
+                <a:latin typeface="Courier New" charset="0"/>
+                <a:ea typeface="Courier New" charset="0"/>
+                <a:cs typeface="Courier New" charset="0"/>
+              </a:rPr>
+              <a:t>  # Below is the Return Value, which will be covered next</a:t>
+            </a:r>
+            <a:endParaRPr lang="en-US" sz="1400" dirty="0">
+              <a:solidFill>
+                <a:srgbClr val="000000"/>
+              </a:solidFill>
+              <a:latin typeface="Courier New" charset="0"/>
+              <a:ea typeface="Courier New" charset="0"/>
+              <a:cs typeface="Courier New" charset="0"/>
+            </a:endParaRPr>
+          </a:p>
+          <a:p>
+            <a:pPr>
+              <a:tabLst>
+                <a:tab pos="0" algn="l"/>
+                <a:tab pos="457200" algn="l"/>
+                <a:tab pos="914400" algn="l"/>
+                <a:tab pos="1371600" algn="l"/>
+                <a:tab pos="1828800" algn="l"/>
+                <a:tab pos="2286000" algn="l"/>
+                <a:tab pos="2743200" algn="l"/>
+                <a:tab pos="3200400" algn="l"/>
+                <a:tab pos="3657600" algn="l"/>
+                <a:tab pos="4114800" algn="l"/>
+                <a:tab pos="4572000" algn="l"/>
+                <a:tab pos="5029200" algn="l"/>
+                <a:tab pos="5486400" algn="l"/>
+                <a:tab pos="5943600" algn="l"/>
+                <a:tab pos="6400800" algn="l"/>
+                <a:tab pos="6858000" algn="l"/>
+                <a:tab pos="7315200" algn="l"/>
+                <a:tab pos="7772400" algn="l"/>
+                <a:tab pos="8229600" algn="l"/>
+                <a:tab pos="8686800" algn="l"/>
+                <a:tab pos="9144000" algn="l"/>
+              </a:tabLst>
+            </a:pPr>
+            <a:r>
+              <a:rPr lang="en-US" sz="1400" dirty="0">
+                <a:solidFill>
+                  <a:srgbClr val="000000"/>
+                </a:solidFill>
+                <a:latin typeface="Courier New" charset="0"/>
+                <a:ea typeface="Courier New" charset="0"/>
+                <a:cs typeface="Courier New" charset="0"/>
+              </a:rPr>
+              <a:t>  list(</a:t>
+            </a:r>
+          </a:p>
+          <a:p>
+            <a:pPr>
+              <a:tabLst>
+                <a:tab pos="0" algn="l"/>
+                <a:tab pos="457200" algn="l"/>
+                <a:tab pos="914400" algn="l"/>
+                <a:tab pos="1371600" algn="l"/>
+                <a:tab pos="1828800" algn="l"/>
+                <a:tab pos="2286000" algn="l"/>
+                <a:tab pos="2743200" algn="l"/>
+                <a:tab pos="3200400" algn="l"/>
+                <a:tab pos="3657600" algn="l"/>
+                <a:tab pos="4114800" algn="l"/>
+                <a:tab pos="4572000" algn="l"/>
+                <a:tab pos="5029200" algn="l"/>
+                <a:tab pos="5486400" algn="l"/>
+                <a:tab pos="5943600" algn="l"/>
+                <a:tab pos="6400800" algn="l"/>
+                <a:tab pos="6858000" algn="l"/>
+                <a:tab pos="7315200" algn="l"/>
+                <a:tab pos="7772400" algn="l"/>
+                <a:tab pos="8229600" algn="l"/>
+                <a:tab pos="8686800" algn="l"/>
+                <a:tab pos="9144000" algn="l"/>
+              </a:tabLst>
+            </a:pPr>
+            <a:r>
+              <a:rPr lang="en-US" sz="1400" dirty="0">
+                <a:solidFill>
+                  <a:srgbClr val="000000"/>
+                </a:solidFill>
+                <a:latin typeface="Courier New" charset="0"/>
+                <a:ea typeface="Courier New" charset="0"/>
+                <a:cs typeface="Courier New" charset="0"/>
+              </a:rPr>
+              <a:t>       </a:t>
+            </a:r>
+            <a:r>
+              <a:rPr lang="en-US" sz="1400" dirty="0">
+                <a:solidFill>
+                  <a:schemeClr val="accent2"/>
+                </a:solidFill>
+                <a:latin typeface="Courier New" charset="0"/>
+                <a:ea typeface="Courier New" charset="0"/>
+                <a:cs typeface="Courier New" charset="0"/>
+              </a:rPr>
+              <a:t>"Expected Values"</a:t>
+            </a:r>
+            <a:r>
+              <a:rPr lang="en-US" sz="1400" dirty="0">
+                <a:solidFill>
+                  <a:srgbClr val="000000"/>
+                </a:solidFill>
+                <a:latin typeface="Courier New" charset="0"/>
+                <a:ea typeface="Courier New" charset="0"/>
+                <a:cs typeface="Courier New" charset="0"/>
+              </a:rPr>
+              <a:t> = ev</a:t>
+            </a:r>
+          </a:p>
+          <a:p>
+            <a:pPr>
+              <a:tabLst>
+                <a:tab pos="0" algn="l"/>
+                <a:tab pos="457200" algn="l"/>
+                <a:tab pos="914400" algn="l"/>
+                <a:tab pos="1371600" algn="l"/>
+                <a:tab pos="1828800" algn="l"/>
+                <a:tab pos="2286000" algn="l"/>
+                <a:tab pos="2743200" algn="l"/>
+                <a:tab pos="3200400" algn="l"/>
+                <a:tab pos="3657600" algn="l"/>
+                <a:tab pos="4114800" algn="l"/>
+                <a:tab pos="4572000" algn="l"/>
+                <a:tab pos="5029200" algn="l"/>
+                <a:tab pos="5486400" algn="l"/>
+                <a:tab pos="5943600" algn="l"/>
+                <a:tab pos="6400800" algn="l"/>
+                <a:tab pos="6858000" algn="l"/>
+                <a:tab pos="7315200" algn="l"/>
+                <a:tab pos="7772400" algn="l"/>
+                <a:tab pos="8229600" algn="l"/>
+                <a:tab pos="8686800" algn="l"/>
+                <a:tab pos="9144000" algn="l"/>
+              </a:tabLst>
+            </a:pPr>
+            <a:r>
+              <a:rPr lang="en-US" sz="1400" dirty="0">
+                <a:solidFill>
+                  <a:srgbClr val="000000"/>
+                </a:solidFill>
+                <a:latin typeface="Courier New" charset="0"/>
+                <a:ea typeface="Courier New" charset="0"/>
+                <a:cs typeface="Courier New" charset="0"/>
+              </a:rPr>
+              <a:t>       )</a:t>
+            </a:r>
+            <a:endParaRPr lang="en-US" sz="1400" dirty="0">
+              <a:solidFill>
+                <a:srgbClr val="000000"/>
+              </a:solidFill>
+              <a:latin typeface="Courier New" charset="0"/>
+              <a:ea typeface="Courier New" charset="0"/>
+              <a:cs typeface="Courier New" charset="0"/>
+            </a:endParaRPr>
+          </a:p>
+          <a:p>
+            <a:pPr>
+              <a:tabLst>
+                <a:tab pos="0" algn="l"/>
+                <a:tab pos="457200" algn="l"/>
+                <a:tab pos="914400" algn="l"/>
+                <a:tab pos="1371600" algn="l"/>
+                <a:tab pos="1828800" algn="l"/>
+                <a:tab pos="2286000" algn="l"/>
+                <a:tab pos="2743200" algn="l"/>
+                <a:tab pos="3200400" algn="l"/>
+                <a:tab pos="3657600" algn="l"/>
+                <a:tab pos="4114800" algn="l"/>
+                <a:tab pos="4572000" algn="l"/>
+                <a:tab pos="5029200" algn="l"/>
+                <a:tab pos="5486400" algn="l"/>
+                <a:tab pos="5943600" algn="l"/>
+                <a:tab pos="6400800" algn="l"/>
+                <a:tab pos="6858000" algn="l"/>
+                <a:tab pos="7315200" algn="l"/>
+                <a:tab pos="7772400" algn="l"/>
+                <a:tab pos="8229600" algn="l"/>
+                <a:tab pos="8686800" algn="l"/>
+                <a:tab pos="9144000" algn="l"/>
+              </a:tabLst>
+            </a:pPr>
+            <a:r>
+              <a:rPr lang="en-US" sz="1400" dirty="0">
+                <a:solidFill>
+                  <a:srgbClr val="000000"/>
+                </a:solidFill>
+                <a:latin typeface="Courier New" charset="0"/>
+                <a:ea typeface="Courier New" charset="0"/>
+                <a:cs typeface="Courier New" charset="0"/>
+              </a:rPr>
+              <a:t>}</a:t>
+            </a:r>
+            <a:endParaRPr lang="en-US" sz="1400" dirty="0">
+              <a:solidFill>
+                <a:srgbClr val="7F7F7F"/>
+              </a:solidFill>
+              <a:latin typeface="Courier New" charset="0"/>
+              <a:ea typeface="Courier New" charset="0"/>
+              <a:cs typeface="Courier New" charset="0"/>
+            </a:endParaRPr>
+          </a:p>
+        </p:txBody>
+      </p:sp>
+    </p:spTree>
+  </p:cSld>
+  <p:clrMapOvr>
+    <a:masterClrMapping/>
+  </p:clrMapOvr>
+  <p:timing>
+    <p:tnLst>
+      <p:par>
+        <p:cTn id="1" dur="indefinite" restart="never" nodeType="tmRoot">
+          <p:childTnLst>
+            <p:seq concurrent="1" nextAc="seek">
+              <p:cTn id="2" dur="indefinite" nodeType="mainSeq">
+                <p:childTnLst>
+                  <p:par>
+                    <p:cTn id="3" fill="hold">
+                      <p:stCondLst>
+                        <p:cond delay="indefinite"/>
+                      </p:stCondLst>
+                      <p:childTnLst>
+                        <p:par>
+                          <p:cTn id="4" fill="hold">
+                            <p:stCondLst>
+                              <p:cond delay="0"/>
+                            </p:stCondLst>
+                            <p:childTnLst>
+                              <p:par>
+                                <p:cTn id="5" presetID="1" presetClass="entr" fill="hold" nodeType="clickEffect">
+                                  <p:stCondLst>
+                                    <p:cond delay="0"/>
+                                  </p:stCondLst>
+                                  <p:childTnLst>
+                                    <p:set>
+                                      <p:cBhvr additive="repl">
+                                        <p:cTn id="6" dur="1" fill="hold">
+                                          <p:stCondLst>
+                                            <p:cond delay="0"/>
+                                          </p:stCondLst>
+                                        </p:cTn>
+                                        <p:tgtEl>
+                                          <p:spTgt spid="4"/>
+                                        </p:tgtEl>
+                                        <p:attrNameLst>
+                                          <p:attrName>style.visibility</p:attrName>
+                                        </p:attrNameLst>
+                                      </p:cBhvr>
+                                      <p:to>
+                                        <p:strVal val="visible"/>
+                                      </p:to>
+                                    </p:set>
+                                  </p:childTnLst>
+                                </p:cTn>
+                              </p:par>
+                            </p:childTnLst>
+                          </p:cTn>
+                        </p:par>
+                      </p:childTnLst>
+                    </p:cTn>
+                  </p:par>
+                </p:childTnLst>
+              </p:cTn>
+              <p:prevCondLst>
+                <p:cond evt="onPrev" delay="0">
+                  <p:tgtEl>
+                    <p:sldTgt/>
+                  </p:tgtEl>
+                </p:cond>
+              </p:prevCondLst>
+              <p:nextCondLst>
+                <p:cond evt="onNext" delay="0">
+                  <p:tgtEl>
+                    <p:sldTgt/>
+                  </p:tgtEl>
+                </p:cond>
+              </p:nextCondLst>
+            </p:seq>
+          </p:childTnLst>
+        </p:cTn>
+      </p:par>
+    </p:tnLst>
+  </p:timing>
+</p:sld>
+</file>
+
+<file path=ppt/slides/slide9.xml><?xml version="1.0" encoding="utf-8"?>
+<p:sld xmlns:a="http://schemas.openxmlformats.org/drawingml/2006/main" xmlns:r="http://schemas.openxmlformats.org/officeDocument/2006/relationships" xmlns:mc="http://schemas.openxmlformats.org/markup-compatibility/2006" xmlns:mv="urn:schemas-microsoft-com:mac:vml" xmlns:p="http://schemas.openxmlformats.org/presentationml/2006/main" mc:Ignorable="mv" mc:PreserveAttributes="mv:*">
+  <p:cSld>
+    <p:spTree>
+      <p:nvGrpSpPr>
+        <p:cNvPr id="1" name=""/>
+        <p:cNvGrpSpPr/>
+        <p:nvPr/>
+      </p:nvGrpSpPr>
+      <p:grpSpPr>
+        <a:xfrm>
+          <a:off x="0" y="0"/>
+          <a:ext cx="0" cy="0"/>
+          <a:chOff x="0" y="0"/>
+          <a:chExt cx="0" cy="0"/>
+        </a:xfrm>
+      </p:grpSpPr>
+      <p:sp>
+        <p:nvSpPr>
+          <p:cNvPr id="2" name="Title 1"/>
+          <p:cNvSpPr>
+            <a:spLocks noGrp="1"/>
+          </p:cNvSpPr>
+          <p:nvPr>
+            <p:ph type="title"/>
+          </p:nvPr>
+        </p:nvSpPr>
+        <p:spPr/>
+        <p:txBody>
+          <a:bodyPr/>
+          <a:lstStyle/>
+          <a:p>
+            <a:r>
+              <a:rPr lang="en-US"/>
+              <a:t>Function Return Value</a:t>
+            </a:r>
+          </a:p>
+        </p:txBody>
+      </p:sp>
+      <p:sp>
+        <p:nvSpPr>
+          <p:cNvPr id="4" name="Content Placeholder 3"/>
+          <p:cNvSpPr>
+            <a:spLocks noGrp="1"/>
+          </p:cNvSpPr>
+          <p:nvPr>
+            <p:ph idx="1"/>
+          </p:nvPr>
+        </p:nvSpPr>
+        <p:spPr/>
+        <p:txBody>
+          <a:bodyPr/>
+          <a:lstStyle/>
+          <a:p>
+            <a:r>
+              <a:rPr lang="en-US"/>
+              <a:t>May differ between model</a:t>
+            </a:r>
+          </a:p>
+          <a:p>
+            <a:r>
+              <a:rPr lang="en-US" b="1"/>
+              <a:t>But</a:t>
+            </a:r>
+            <a:r>
+              <a:rPr lang="en-US"/>
+              <a:t> usually does not (most model contain the same quantities of interest)</a:t>
+            </a:r>
+          </a:p>
+          <a:p>
+            <a:r>
+              <a:rPr lang="en-US"/>
+              <a:t>Return values will be stored in a list</a:t>
+            </a:r>
+          </a:p>
+          <a:p>
+            <a:r>
+              <a:rPr lang="en-US"/>
+              <a:t>The values of the list should be </a:t>
+            </a:r>
+            <a:r>
+              <a:rPr lang="en-US" i="1"/>
+              <a:t>vectors</a:t>
+            </a:r>
+            <a:r>
+              <a:rPr lang="en-US"/>
+              <a:t>, </a:t>
+            </a:r>
+            <a:r>
+              <a:rPr lang="en-US" i="1"/>
+              <a:t>matrices</a:t>
+            </a:r>
+            <a:r>
+              <a:rPr lang="en-US"/>
+              <a:t>, or </a:t>
+            </a:r>
+            <a:r>
+              <a:rPr lang="en-US" i="1"/>
+              <a:t>3-dimensional arrays</a:t>
+            </a:r>
+            <a:endParaRPr lang="en-US"/>
+          </a:p>
+          <a:p>
+            <a:endParaRPr lang="en-US"/>
+          </a:p>
+          <a:p>
+            <a:pPr lvl="1"/>
+            <a:endParaRPr lang="en-US"/>
+          </a:p>
+        </p:txBody>
+      </p:sp>
+    </p:spTree>
+  </p:cSld>
+  <p:clrMapOvr>
+    <a:masterClrMapping/>
+  </p:clrMapOvr>
+  <p:timing>
+    <p:tnLst>
+      <p:par>
+        <p:cTn id="1" dur="indefinite" restart="never" nodeType="tmRoot"/>
+      </p:par>
+    </p:tnLst>
+  </p:timing>
 </p:sld>
 </file>
 
